--- a/Projektunterlagen/999_Präsentationen/2. Abschlusspräsentation/Abschlusspräsentation Melodia_ABGABE.pptx
+++ b/Projektunterlagen/999_Präsentationen/2. Abschlusspräsentation/Abschlusspräsentation Melodia_ABGABE.pptx
@@ -966,7 +966,7 @@
             <a:pPr rtl="0"/>
             <a:fld id="{2897A712-BCE0-48E1-9249-75F8D4C7A8A7}" type="datetime1">
               <a:rPr lang="de-DE" smtClean="0"/>
-              <a:t>11.01.2026</a:t>
+              <a:t>13.01.2026</a:t>
             </a:fld>
             <a:endParaRPr lang="de-DE"/>
           </a:p>
@@ -1147,7 +1147,7 @@
             <a:fld id="{7F785A7A-6A0C-413D-886D-6A2F0BCC7B27}" type="datetime1">
               <a:rPr lang="de-DE" smtClean="0"/>
               <a:pPr/>
-              <a:t>11.01.2026</a:t>
+              <a:t>13.01.2026</a:t>
             </a:fld>
             <a:endParaRPr lang="de-DE"/>
           </a:p>
@@ -1881,6 +1881,13 @@
           </p:nvPr>
         </p:nvSpPr>
         <p:spPr/>
+        <p:txBody>
+          <a:bodyPr/>
+          <a:lstStyle/>
+          <a:p>
+            <a:endParaRPr lang="de-AT"/>
+          </a:p>
+        </p:txBody>
       </p:sp>
       <p:sp>
         <p:nvSpPr>
@@ -13429,12 +13436,8 @@
               <a:buChar char="-"/>
             </a:pPr>
             <a:r>
-              <a:rPr lang="de-DE"/>
-              <a:t>Künstliche </a:t>
-            </a:r>
-            <a:r>
               <a:rPr lang="de-DE" dirty="0"/>
-              <a:t>Intelligenz richtig einsetzen (Kein Vibe Coding) </a:t>
+              <a:t>Künstliche Intelligenz richtig einsetzen (Kein Vibe Coding) </a:t>
             </a:r>
           </a:p>
           <a:p>
@@ -13970,8 +13973,12 @@
           <a:p>
             <a:pPr rtl="0"/>
             <a:r>
+              <a:rPr lang="de-DE"/>
+              <a:t>Das Projektteam </a:t>
+            </a:r>
+            <a:r>
               <a:rPr lang="de-DE" dirty="0"/>
-              <a:t>Das Projektteam - 2</a:t>
+              <a:t>- 2</a:t>
             </a:r>
           </a:p>
           <a:p>
@@ -14332,7 +14339,7 @@
             </a:pPr>
             <a:r>
               <a:rPr lang="de-DE" dirty="0"/>
-              <a:t>Funktionierender Prototyp des Musik-Quizspiels</a:t>
+              <a:t>Unterhaltsames Musik-Quizspiel</a:t>
             </a:r>
           </a:p>
           <a:p>
@@ -14342,7 +14349,7 @@
             </a:pPr>
             <a:r>
               <a:rPr lang="de-DE" dirty="0"/>
-              <a:t>Funktionierende Rangliste für Spielmotivation</a:t>
+              <a:t>Rangliste für Spielmotivation</a:t>
             </a:r>
           </a:p>
           <a:p>
@@ -14689,14 +14696,14 @@
           <a:lstStyle/>
           <a:p>
             <a:r>
-              <a:rPr lang="de-DE"/>
+              <a:rPr lang="de-DE" dirty="0"/>
               <a:t>Das </a:t>
             </a:r>
             <a:r>
-              <a:rPr lang="de-DE" err="1"/>
-              <a:t>Projekteam</a:t>
-            </a:r>
-            <a:endParaRPr lang="de-AT"/>
+              <a:rPr lang="de-DE" dirty="0" err="1"/>
+              <a:t>ProjekTTeam</a:t>
+            </a:r>
+            <a:endParaRPr lang="de-AT" dirty="0"/>
           </a:p>
         </p:txBody>
       </p:sp>
@@ -14747,13 +14754,8 @@
             </a:pPr>
             <a:r>
               <a:rPr lang="de-AT" dirty="0"/>
-              <a:t>PTM - Christian </a:t>
-            </a:r>
-            <a:r>
-              <a:rPr lang="de-AT" dirty="0" err="1"/>
-              <a:t>Schallner</a:t>
-            </a:r>
-            <a:endParaRPr lang="de-AT" dirty="0"/>
+              <a:t>PTM - Christian Schallner</a:t>
+            </a:r>
           </a:p>
           <a:p>
             <a:pPr marL="514350" lvl="1" indent="-285750">
@@ -16293,6 +16295,26 @@
 </file>
 
 <file path=customXml/item2.xml><?xml version="1.0" encoding="utf-8"?>
+<p:properties xmlns:p="http://schemas.microsoft.com/office/2006/metadata/properties" xmlns:xsi="http://www.w3.org/2001/XMLSchema-instance" xmlns:pc="http://schemas.microsoft.com/office/infopath/2007/PartnerControls">
+  <documentManagement>
+    <_ip_UnifiedCompliancePolicyUIAction xmlns="http://schemas.microsoft.com/sharepoint/v3" xsi:nil="true"/>
+    <Image xmlns="71af3243-3dd4-4a8d-8c0d-dd76da1f02a5">
+      <Url xsi:nil="true"/>
+      <Description xsi:nil="true"/>
+    </Image>
+    <Status xmlns="71af3243-3dd4-4a8d-8c0d-dd76da1f02a5">Not started</Status>
+    <Background xmlns="71af3243-3dd4-4a8d-8c0d-dd76da1f02a5">false</Background>
+    <_ip_UnifiedCompliancePolicyProperties xmlns="http://schemas.microsoft.com/sharepoint/v3" xsi:nil="true"/>
+    <ImageTagsTaxHTField xmlns="71af3243-3dd4-4a8d-8c0d-dd76da1f02a5">
+      <Terms xmlns="http://schemas.microsoft.com/office/infopath/2007/PartnerControls"/>
+    </ImageTagsTaxHTField>
+    <TaxCatchAll xmlns="230e9df3-be65-4c73-a93b-d1236ebd677e" xsi:nil="true"/>
+    <MediaServiceKeyPoints xmlns="71af3243-3dd4-4a8d-8c0d-dd76da1f02a5" xsi:nil="true"/>
+  </documentManagement>
+</p:properties>
+</file>
+
+<file path=customXml/item3.xml><?xml version="1.0" encoding="utf-8"?>
 <ct:contentTypeSchema xmlns:ct="http://schemas.microsoft.com/office/2006/metadata/contentType" xmlns:ma="http://schemas.microsoft.com/office/2006/metadata/properties/metaAttributes" ct:_="" ma:_="" ma:contentTypeName="Document" ma:contentTypeID="0x01010079F111ED35F8CC479449609E8A0923A6" ma:contentTypeVersion="28" ma:contentTypeDescription="Create a new document." ma:contentTypeScope="" ma:versionID="60f5a4f2d2b0abadcf532d48ebf9cb71">
   <xsd:schema xmlns:xsd="http://www.w3.org/2001/XMLSchema" xmlns:xs="http://www.w3.org/2001/XMLSchema" xmlns:p="http://schemas.microsoft.com/office/2006/metadata/properties" xmlns:ns1="http://schemas.microsoft.com/sharepoint/v3" xmlns:ns2="71af3243-3dd4-4a8d-8c0d-dd76da1f02a5" xmlns:ns3="16c05727-aa75-4e4a-9b5f-8a80a1165891" xmlns:ns4="230e9df3-be65-4c73-a93b-d1236ebd677e" targetNamespace="http://schemas.microsoft.com/office/2006/metadata/properties" ma:root="true" ma:fieldsID="7dd78129e6a1811f84807ad11c651531" ns1:_="" ns2:_="" ns3:_="" ns4:_="">
     <xsd:import namespace="http://schemas.microsoft.com/sharepoint/v3"/>
@@ -16604,26 +16626,6 @@
 </ct:contentTypeSchema>
 </file>
 
-<file path=customXml/item3.xml><?xml version="1.0" encoding="utf-8"?>
-<p:properties xmlns:p="http://schemas.microsoft.com/office/2006/metadata/properties" xmlns:xsi="http://www.w3.org/2001/XMLSchema-instance" xmlns:pc="http://schemas.microsoft.com/office/infopath/2007/PartnerControls">
-  <documentManagement>
-    <_ip_UnifiedCompliancePolicyUIAction xmlns="http://schemas.microsoft.com/sharepoint/v3" xsi:nil="true"/>
-    <Image xmlns="71af3243-3dd4-4a8d-8c0d-dd76da1f02a5">
-      <Url xsi:nil="true"/>
-      <Description xsi:nil="true"/>
-    </Image>
-    <Status xmlns="71af3243-3dd4-4a8d-8c0d-dd76da1f02a5">Not started</Status>
-    <Background xmlns="71af3243-3dd4-4a8d-8c0d-dd76da1f02a5">false</Background>
-    <_ip_UnifiedCompliancePolicyProperties xmlns="http://schemas.microsoft.com/sharepoint/v3" xsi:nil="true"/>
-    <ImageTagsTaxHTField xmlns="71af3243-3dd4-4a8d-8c0d-dd76da1f02a5">
-      <Terms xmlns="http://schemas.microsoft.com/office/infopath/2007/PartnerControls"/>
-    </ImageTagsTaxHTField>
-    <TaxCatchAll xmlns="230e9df3-be65-4c73-a93b-d1236ebd677e" xsi:nil="true"/>
-    <MediaServiceKeyPoints xmlns="71af3243-3dd4-4a8d-8c0d-dd76da1f02a5" xsi:nil="true"/>
-  </documentManagement>
-</p:properties>
-</file>
-
 <file path=customXml/itemProps1.xml><?xml version="1.0" encoding="utf-8"?>
 <ds:datastoreItem xmlns:ds="http://schemas.openxmlformats.org/officeDocument/2006/customXml" ds:itemID="{FABD9919-8F5A-4B99-83E1-E90FE1DCF2E1}">
   <ds:schemaRefs>
@@ -16633,6 +16635,25 @@
 </file>
 
 <file path=customXml/itemProps2.xml><?xml version="1.0" encoding="utf-8"?>
+<ds:datastoreItem xmlns:ds="http://schemas.openxmlformats.org/officeDocument/2006/customXml" ds:itemID="{80E87F72-70BF-43BC-A0D4-53665DC12672}">
+  <ds:schemaRefs>
+    <ds:schemaRef ds:uri="16c05727-aa75-4e4a-9b5f-8a80a1165891"/>
+    <ds:schemaRef ds:uri="230e9df3-be65-4c73-a93b-d1236ebd677e"/>
+    <ds:schemaRef ds:uri="71af3243-3dd4-4a8d-8c0d-dd76da1f02a5"/>
+    <ds:schemaRef ds:uri="http://purl.org/dc/dcmitype/"/>
+    <ds:schemaRef ds:uri="http://purl.org/dc/elements/1.1/"/>
+    <ds:schemaRef ds:uri="http://purl.org/dc/terms/"/>
+    <ds:schemaRef ds:uri="http://schemas.microsoft.com/office/2006/documentManagement/types"/>
+    <ds:schemaRef ds:uri="http://schemas.microsoft.com/office/2006/metadata/properties"/>
+    <ds:schemaRef ds:uri="http://schemas.microsoft.com/office/infopath/2007/PartnerControls"/>
+    <ds:schemaRef ds:uri="http://schemas.microsoft.com/sharepoint/v3"/>
+    <ds:schemaRef ds:uri="http://schemas.openxmlformats.org/package/2006/metadata/core-properties"/>
+    <ds:schemaRef ds:uri="http://www.w3.org/XML/1998/namespace"/>
+  </ds:schemaRefs>
+</ds:datastoreItem>
+</file>
+
+<file path=customXml/itemProps3.xml><?xml version="1.0" encoding="utf-8"?>
 <ds:datastoreItem xmlns:ds="http://schemas.openxmlformats.org/officeDocument/2006/customXml" ds:itemID="{52D646E0-DCC8-4209-B539-AA58186B682C}">
   <ds:schemaRefs>
     <ds:schemaRef ds:uri="16c05727-aa75-4e4a-9b5f-8a80a1165891"/>
@@ -16653,25 +16674,6 @@
 </ds:datastoreItem>
 </file>
 
-<file path=customXml/itemProps3.xml><?xml version="1.0" encoding="utf-8"?>
-<ds:datastoreItem xmlns:ds="http://schemas.openxmlformats.org/officeDocument/2006/customXml" ds:itemID="{80E87F72-70BF-43BC-A0D4-53665DC12672}">
-  <ds:schemaRefs>
-    <ds:schemaRef ds:uri="16c05727-aa75-4e4a-9b5f-8a80a1165891"/>
-    <ds:schemaRef ds:uri="230e9df3-be65-4c73-a93b-d1236ebd677e"/>
-    <ds:schemaRef ds:uri="71af3243-3dd4-4a8d-8c0d-dd76da1f02a5"/>
-    <ds:schemaRef ds:uri="http://purl.org/dc/dcmitype/"/>
-    <ds:schemaRef ds:uri="http://purl.org/dc/elements/1.1/"/>
-    <ds:schemaRef ds:uri="http://purl.org/dc/terms/"/>
-    <ds:schemaRef ds:uri="http://schemas.microsoft.com/office/2006/documentManagement/types"/>
-    <ds:schemaRef ds:uri="http://schemas.microsoft.com/office/2006/metadata/properties"/>
-    <ds:schemaRef ds:uri="http://schemas.microsoft.com/office/infopath/2007/PartnerControls"/>
-    <ds:schemaRef ds:uri="http://schemas.microsoft.com/sharepoint/v3"/>
-    <ds:schemaRef ds:uri="http://schemas.openxmlformats.org/package/2006/metadata/core-properties"/>
-    <ds:schemaRef ds:uri="http://www.w3.org/XML/1998/namespace"/>
-  </ds:schemaRefs>
-</ds:datastoreItem>
-</file>
-
 <file path=docMetadata/LabelInfo.xml><?xml version="1.0" encoding="utf-8"?>
 <clbl:labelList xmlns:clbl="http://schemas.microsoft.com/office/2020/mipLabelMetadata"/>
 </file>